--- a/DSL1.pptx
+++ b/DSL1.pptx
@@ -1652,7 +1652,7 @@
           <a:p>
             <a:fld id="{B01F9CA3-105E-4857-9057-6DB6197DA786}" type="datetimeFigureOut">
               <a:rPr lang="en-US" smtClean="0"/>
-              <a:t>6/7/16</a:t>
+              <a:t>6/8/16</a:t>
             </a:fld>
             <a:endParaRPr lang="en-US"/>
           </a:p>
@@ -2192,7 +2192,7 @@
           <a:p>
             <a:fld id="{B01F9CA3-105E-4857-9057-6DB6197DA786}" type="datetimeFigureOut">
               <a:rPr lang="en-US" smtClean="0"/>
-              <a:t>6/7/16</a:t>
+              <a:t>6/8/16</a:t>
             </a:fld>
             <a:endParaRPr lang="en-US"/>
           </a:p>
@@ -2521,7 +2521,7 @@
           <a:p>
             <a:fld id="{B01F9CA3-105E-4857-9057-6DB6197DA786}" type="datetimeFigureOut">
               <a:rPr lang="en-US" smtClean="0"/>
-              <a:t>6/7/16</a:t>
+              <a:t>6/8/16</a:t>
             </a:fld>
             <a:endParaRPr lang="en-US"/>
           </a:p>
@@ -3050,7 +3050,7 @@
           <a:p>
             <a:fld id="{B01F9CA3-105E-4857-9057-6DB6197DA786}" type="datetimeFigureOut">
               <a:rPr lang="en-US" smtClean="0"/>
-              <a:t>6/7/16</a:t>
+              <a:t>6/8/16</a:t>
             </a:fld>
             <a:endParaRPr lang="en-US"/>
           </a:p>
@@ -3640,7 +3640,7 @@
           <a:p>
             <a:fld id="{B01F9CA3-105E-4857-9057-6DB6197DA786}" type="datetimeFigureOut">
               <a:rPr lang="en-US" smtClean="0"/>
-              <a:t>6/7/16</a:t>
+              <a:t>6/8/16</a:t>
             </a:fld>
             <a:endParaRPr lang="en-US"/>
           </a:p>
@@ -3745,7 +3745,7 @@
           <a:p>
             <a:fld id="{B01F9CA3-105E-4857-9057-6DB6197DA786}" type="datetimeFigureOut">
               <a:rPr lang="en-US" smtClean="0"/>
-              <a:t>6/7/16</a:t>
+              <a:t>6/8/16</a:t>
             </a:fld>
             <a:endParaRPr lang="en-US"/>
           </a:p>
@@ -4469,7 +4469,7 @@
           <a:p>
             <a:fld id="{B01F9CA3-105E-4857-9057-6DB6197DA786}" type="datetimeFigureOut">
               <a:rPr lang="en-US" smtClean="0"/>
-              <a:t>6/7/16</a:t>
+              <a:t>6/8/16</a:t>
             </a:fld>
             <a:endParaRPr lang="en-US"/>
           </a:p>
@@ -4736,7 +4736,7 @@
           <a:p>
             <a:fld id="{B01F9CA3-105E-4857-9057-6DB6197DA786}" type="datetimeFigureOut">
               <a:rPr lang="en-US" smtClean="0"/>
-              <a:t>6/7/16</a:t>
+              <a:t>6/8/16</a:t>
             </a:fld>
             <a:endParaRPr lang="en-US"/>
           </a:p>
@@ -4980,7 +4980,7 @@
           <a:p>
             <a:fld id="{B01F9CA3-105E-4857-9057-6DB6197DA786}" type="datetimeFigureOut">
               <a:rPr lang="en-US" smtClean="0"/>
-              <a:t>6/7/16</a:t>
+              <a:t>6/8/16</a:t>
             </a:fld>
             <a:endParaRPr lang="en-US"/>
           </a:p>
@@ -5260,7 +5260,7 @@
           <a:p>
             <a:fld id="{B01F9CA3-105E-4857-9057-6DB6197DA786}" type="datetimeFigureOut">
               <a:rPr lang="en-US" smtClean="0"/>
-              <a:t>6/7/16</a:t>
+              <a:t>6/8/16</a:t>
             </a:fld>
             <a:endParaRPr lang="en-US"/>
           </a:p>
@@ -5561,7 +5561,7 @@
           <a:p>
             <a:fld id="{B01F9CA3-105E-4857-9057-6DB6197DA786}" type="datetimeFigureOut">
               <a:rPr lang="en-US" smtClean="0"/>
-              <a:t>6/7/16</a:t>
+              <a:t>6/8/16</a:t>
             </a:fld>
             <a:endParaRPr lang="en-US"/>
           </a:p>
@@ -5844,7 +5844,7 @@
           <a:p>
             <a:fld id="{B01F9CA3-105E-4857-9057-6DB6197DA786}" type="datetimeFigureOut">
               <a:rPr lang="en-US" smtClean="0"/>
-              <a:t>6/7/16</a:t>
+              <a:t>6/8/16</a:t>
             </a:fld>
             <a:endParaRPr lang="en-US"/>
           </a:p>
@@ -8365,29 +8365,13 @@
             </a:r>
             <a:r>
               <a:rPr lang="en-US" dirty="0" smtClean="0"/>
-              <a:t>ata cleaning</a:t>
-            </a:r>
+              <a:t>ata cleaning plan examples list operation steps: </a:t>
+            </a:r>
+          </a:p>
+          <a:p>
             <a:r>
               <a:rPr lang="en-US" dirty="0" smtClean="0"/>
-              <a:t> plan examples list operation</a:t>
-            </a:r>
-            <a:r>
-              <a:rPr lang="en-US" dirty="0" smtClean="0"/>
-              <a:t> </a:t>
-            </a:r>
-            <a:r>
-              <a:rPr lang="en-US" dirty="0" smtClean="0"/>
-              <a:t>steps: </a:t>
-            </a:r>
-          </a:p>
-          <a:p>
-            <a:r>
-              <a:rPr lang="en-US" dirty="0" smtClean="0"/>
-              <a:t>Join </a:t>
-            </a:r>
-            <a:r>
-              <a:rPr lang="en-US" dirty="0" smtClean="0"/>
-              <a:t>operator prepare steps:</a:t>
+              <a:t>Join operator prepare steps:</a:t>
             </a:r>
           </a:p>
           <a:p>
@@ -8399,11 +8383,7 @@
           <a:p>
             <a:r>
               <a:rPr lang="en-US" dirty="0" smtClean="0"/>
-              <a:t>2. join </a:t>
-            </a:r>
-            <a:r>
-              <a:rPr lang="en-US" dirty="0" smtClean="0"/>
-              <a:t>two</a:t>
+              <a:t>2. join two</a:t>
             </a:r>
             <a:r>
               <a:rPr lang="zh-CN" altLang="en-US" dirty="0" smtClean="0"/>
@@ -8411,15 +8391,7 @@
             </a:r>
             <a:r>
               <a:rPr lang="en-US" dirty="0" smtClean="0"/>
-              <a:t>data </a:t>
-            </a:r>
-            <a:r>
-              <a:rPr lang="en-US" dirty="0" smtClean="0"/>
-              <a:t>sets by key </a:t>
-            </a:r>
-            <a:r>
-              <a:rPr lang="en-US" dirty="0" smtClean="0"/>
-              <a:t>value</a:t>
+              <a:t>data sets by key value</a:t>
             </a:r>
           </a:p>
           <a:p>
@@ -10491,11 +10463,7 @@
             </a:r>
             <a:r>
               <a:rPr lang="en-US" altLang="zh-CN" dirty="0" smtClean="0"/>
-              <a:t>visual</a:t>
-            </a:r>
-            <a:r>
-              <a:rPr lang="en-US" altLang="zh-CN" dirty="0" smtClean="0"/>
-              <a:t>ize</a:t>
+              <a:t>visualize</a:t>
             </a:r>
             <a:r>
               <a:rPr lang="zh-CN" altLang="en-US" dirty="0" smtClean="0"/>
@@ -10561,11 +10529,7 @@
           <a:p>
             <a:r>
               <a:rPr lang="en-US" dirty="0" smtClean="0"/>
-              <a:t>Future</a:t>
-            </a:r>
-            <a:r>
-              <a:rPr lang="en-US" dirty="0" smtClean="0"/>
-              <a:t> work</a:t>
+              <a:t>Future work</a:t>
             </a:r>
             <a:endParaRPr lang="en-US" dirty="0"/>
           </a:p>
@@ -10987,11 +10951,7 @@
             </a:pPr>
             <a:r>
               <a:rPr lang="en-US" dirty="0" smtClean="0"/>
-              <a:t>Command line </a:t>
-            </a:r>
-            <a:r>
-              <a:rPr lang="en-US" dirty="0" smtClean="0"/>
-              <a:t>programming</a:t>
+              <a:t>Command line programming</a:t>
             </a:r>
           </a:p>
           <a:p>
@@ -11005,11 +10965,23 @@
             </a:r>
             <a:r>
               <a:rPr lang="en-US" dirty="0"/>
-              <a:t> "w1.</a:t>
+              <a:t> </a:t>
             </a:r>
             <a:r>
               <a:rPr lang="en-US" dirty="0" smtClean="0"/>
-              <a:t>csv”</a:t>
+              <a:t>”</a:t>
+            </a:r>
+            <a:r>
+              <a:rPr lang="en-US" dirty="0" err="1" smtClean="0"/>
+              <a:t>input</a:t>
+            </a:r>
+            <a:r>
+              <a:rPr lang="en-US" dirty="0" err="1" smtClean="0"/>
+              <a:t>.csv</a:t>
+            </a:r>
+            <a:r>
+              <a:rPr lang="en-US" dirty="0" smtClean="0"/>
+              <a:t>”</a:t>
             </a:r>
             <a:endParaRPr lang="en-US" dirty="0"/>
           </a:p>
@@ -11020,21 +10992,20 @@
             </a:r>
             <a:r>
               <a:rPr lang="en-US" dirty="0"/>
-              <a:t>Wheels&gt; d2 &lt;- </a:t>
-            </a:r>
-            <a:r>
-              <a:rPr lang="en-US" dirty="0" err="1"/>
-              <a:t>readFile</a:t>
+              <a:t>Wheels&gt; </a:t>
             </a:r>
             <a:r>
               <a:rPr lang="en-US" dirty="0"/>
-              <a:t> "w2.</a:t>
-            </a:r>
-            <a:r>
-              <a:rPr lang="en-US" dirty="0" smtClean="0"/>
-              <a:t>csv”</a:t>
-            </a:r>
-            <a:endParaRPr lang="en-US" dirty="0" smtClean="0"/>
+              <a:t>let dset1 = input "</a:t>
+            </a:r>
+            <a:r>
+              <a:rPr lang="en-US" dirty="0" err="1" smtClean="0"/>
+              <a:t>input.csv</a:t>
+            </a:r>
+            <a:r>
+              <a:rPr lang="en-US" dirty="0"/>
+              <a:t>" d1</a:t>
+            </a:r>
           </a:p>
           <a:p>
             <a:pPr marL="228600" lvl="0" indent="0">
@@ -11247,8 +11218,19 @@
           <a:p>
             <a:r>
               <a:rPr lang="en-US" dirty="0"/>
-              <a:t>type D = String -- one cell content</a:t>
-            </a:r>
+              <a:t>type D = String -- one </a:t>
+            </a:r>
+            <a:r>
+              <a:rPr lang="en-US"/>
+              <a:t>cell </a:t>
+            </a:r>
+            <a:r>
+              <a:rPr lang="en-US" smtClean="0"/>
+              <a:t>content</a:t>
+            </a:r>
+          </a:p>
+          <a:p>
+            <a:endParaRPr lang="en-US" dirty="0"/>
           </a:p>
           <a:p>
             <a:r>
@@ -11263,7 +11245,6 @@
               <a:rPr lang="en-US" dirty="0"/>
               <a:t> = [[D]]--whole spread sheet</a:t>
             </a:r>
-            <a:endParaRPr lang="en-US" dirty="0"/>
           </a:p>
         </p:txBody>
       </p:sp>
